--- a/ppts/[Session1] Web Crawling.pptx
+++ b/ppts/[Session1] Web Crawling.pptx
@@ -151,7 +151,7 @@
   </p:defaultTextStyle>
   <p:extLst>
     <p:ext uri="{EFAFB233-063F-42B5-8137-9DF3F51BA10A}">
-      <p15:sldGuideLst xmlns:p15="http://schemas.microsoft.com/office/powerpoint/2012/main" xmlns="">
+      <p15:sldGuideLst xmlns:p15="http://schemas.microsoft.com/office/powerpoint/2012/main">
         <p15:guide id="1" orient="horz" pos="2160">
           <p15:clr>
             <a:srgbClr val="A4A3A4"/>
@@ -250,7 +250,7 @@
           <a:p>
             <a:fld id="{7A6B77AA-7177-4D50-AB49-C260886B6169}" type="datetimeFigureOut">
               <a:rPr lang="ko-KR" altLang="en-US" smtClean="0"/>
-              <a:t>2017-07-16</a:t>
+              <a:t>2017-09-25</a:t>
             </a:fld>
             <a:endParaRPr lang="ko-KR" altLang="en-US"/>
           </a:p>
@@ -783,7 +783,7 @@
           <a:p>
             <a:fld id="{1179C0B5-9E42-4E82-BD73-9C37117B84AF}" type="datetimeFigureOut">
               <a:rPr lang="ko-KR" altLang="en-US" smtClean="0"/>
-              <a:t>2017-07-16</a:t>
+              <a:t>2017-09-25</a:t>
             </a:fld>
             <a:endParaRPr lang="ko-KR" altLang="en-US"/>
           </a:p>
@@ -953,7 +953,7 @@
           <a:p>
             <a:fld id="{1179C0B5-9E42-4E82-BD73-9C37117B84AF}" type="datetimeFigureOut">
               <a:rPr lang="ko-KR" altLang="en-US" smtClean="0"/>
-              <a:t>2017-07-16</a:t>
+              <a:t>2017-09-25</a:t>
             </a:fld>
             <a:endParaRPr lang="ko-KR" altLang="en-US"/>
           </a:p>
@@ -1133,7 +1133,7 @@
           <a:p>
             <a:fld id="{1179C0B5-9E42-4E82-BD73-9C37117B84AF}" type="datetimeFigureOut">
               <a:rPr lang="ko-KR" altLang="en-US" smtClean="0"/>
-              <a:t>2017-07-16</a:t>
+              <a:t>2017-09-25</a:t>
             </a:fld>
             <a:endParaRPr lang="ko-KR" altLang="en-US"/>
           </a:p>
@@ -1303,7 +1303,7 @@
           <a:p>
             <a:fld id="{1179C0B5-9E42-4E82-BD73-9C37117B84AF}" type="datetimeFigureOut">
               <a:rPr lang="ko-KR" altLang="en-US" smtClean="0"/>
-              <a:t>2017-07-16</a:t>
+              <a:t>2017-09-25</a:t>
             </a:fld>
             <a:endParaRPr lang="ko-KR" altLang="en-US"/>
           </a:p>
@@ -1549,7 +1549,7 @@
           <a:p>
             <a:fld id="{1179C0B5-9E42-4E82-BD73-9C37117B84AF}" type="datetimeFigureOut">
               <a:rPr lang="ko-KR" altLang="en-US" smtClean="0"/>
-              <a:t>2017-07-16</a:t>
+              <a:t>2017-09-25</a:t>
             </a:fld>
             <a:endParaRPr lang="ko-KR" altLang="en-US"/>
           </a:p>
@@ -1837,7 +1837,7 @@
           <a:p>
             <a:fld id="{1179C0B5-9E42-4E82-BD73-9C37117B84AF}" type="datetimeFigureOut">
               <a:rPr lang="ko-KR" altLang="en-US" smtClean="0"/>
-              <a:t>2017-07-16</a:t>
+              <a:t>2017-09-25</a:t>
             </a:fld>
             <a:endParaRPr lang="ko-KR" altLang="en-US"/>
           </a:p>
@@ -2259,7 +2259,7 @@
           <a:p>
             <a:fld id="{1179C0B5-9E42-4E82-BD73-9C37117B84AF}" type="datetimeFigureOut">
               <a:rPr lang="ko-KR" altLang="en-US" smtClean="0"/>
-              <a:t>2017-07-16</a:t>
+              <a:t>2017-09-25</a:t>
             </a:fld>
             <a:endParaRPr lang="ko-KR" altLang="en-US"/>
           </a:p>
@@ -2377,7 +2377,7 @@
           <a:p>
             <a:fld id="{1179C0B5-9E42-4E82-BD73-9C37117B84AF}" type="datetimeFigureOut">
               <a:rPr lang="ko-KR" altLang="en-US" smtClean="0"/>
-              <a:t>2017-07-16</a:t>
+              <a:t>2017-09-25</a:t>
             </a:fld>
             <a:endParaRPr lang="ko-KR" altLang="en-US"/>
           </a:p>
@@ -2472,7 +2472,7 @@
           <a:p>
             <a:fld id="{1179C0B5-9E42-4E82-BD73-9C37117B84AF}" type="datetimeFigureOut">
               <a:rPr lang="ko-KR" altLang="en-US" smtClean="0"/>
-              <a:t>2017-07-16</a:t>
+              <a:t>2017-09-25</a:t>
             </a:fld>
             <a:endParaRPr lang="ko-KR" altLang="en-US"/>
           </a:p>
@@ -2749,7 +2749,7 @@
           <a:p>
             <a:fld id="{1179C0B5-9E42-4E82-BD73-9C37117B84AF}" type="datetimeFigureOut">
               <a:rPr lang="ko-KR" altLang="en-US" smtClean="0"/>
-              <a:t>2017-07-16</a:t>
+              <a:t>2017-09-25</a:t>
             </a:fld>
             <a:endParaRPr lang="ko-KR" altLang="en-US"/>
           </a:p>
@@ -3002,7 +3002,7 @@
           <a:p>
             <a:fld id="{1179C0B5-9E42-4E82-BD73-9C37117B84AF}" type="datetimeFigureOut">
               <a:rPr lang="ko-KR" altLang="en-US" smtClean="0"/>
-              <a:t>2017-07-16</a:t>
+              <a:t>2017-09-25</a:t>
             </a:fld>
             <a:endParaRPr lang="ko-KR" altLang="en-US"/>
           </a:p>
@@ -3215,7 +3215,7 @@
           <a:p>
             <a:fld id="{1179C0B5-9E42-4E82-BD73-9C37117B84AF}" type="datetimeFigureOut">
               <a:rPr lang="ko-KR" altLang="en-US" smtClean="0"/>
-              <a:t>2017-07-16</a:t>
+              <a:t>2017-09-25</a:t>
             </a:fld>
             <a:endParaRPr lang="ko-KR" altLang="en-US"/>
           </a:p>
@@ -3726,31 +3726,7 @@
                 <a:latin typeface="Arial" pitchFamily="34" charset="0"/>
                 <a:cs typeface="Arial" pitchFamily="34" charset="0"/>
               </a:rPr>
-              <a:t>Web </a:t>
-            </a:r>
-            <a:r>
-              <a:rPr lang="en-US" altLang="ko-KR" sz="4000" b="1" dirty="0" smtClean="0">
-                <a:gradFill>
-                  <a:gsLst>
-                    <a:gs pos="0">
-                      <a:schemeClr val="tx1">
-                        <a:lumMod val="65000"/>
-                        <a:lumOff val="35000"/>
-                      </a:schemeClr>
-                    </a:gs>
-                    <a:gs pos="100000">
-                      <a:schemeClr val="tx1">
-                        <a:lumMod val="65000"/>
-                        <a:lumOff val="35000"/>
-                      </a:schemeClr>
-                    </a:gs>
-                  </a:gsLst>
-                  <a:lin ang="5400000" scaled="0"/>
-                </a:gradFill>
-                <a:latin typeface="Arial" pitchFamily="34" charset="0"/>
-                <a:cs typeface="Arial" pitchFamily="34" charset="0"/>
-              </a:rPr>
-              <a:t>Crawling - Basics</a:t>
+              <a:t>Web Crawling - Basics</a:t>
             </a:r>
             <a:endParaRPr lang="ko-KR" altLang="en-US" sz="4000" b="1" dirty="0">
               <a:gradFill>
@@ -3913,76 +3889,6 @@
                 <a:cs typeface="Arial" pitchFamily="34" charset="0"/>
               </a:rPr>
               <a:t>감성분석</a:t>
-            </a:r>
-            <a:endParaRPr lang="ko-KR" altLang="en-US" dirty="0">
-              <a:gradFill>
-                <a:gsLst>
-                  <a:gs pos="0">
-                    <a:schemeClr val="tx1">
-                      <a:lumMod val="65000"/>
-                      <a:lumOff val="35000"/>
-                    </a:schemeClr>
-                  </a:gs>
-                  <a:gs pos="100000">
-                    <a:schemeClr val="tx1">
-                      <a:lumMod val="65000"/>
-                      <a:lumOff val="35000"/>
-                    </a:schemeClr>
-                  </a:gs>
-                </a:gsLst>
-                <a:lin ang="5400000" scaled="0"/>
-              </a:gradFill>
-              <a:latin typeface="Arial" pitchFamily="34" charset="0"/>
-              <a:cs typeface="Arial" pitchFamily="34" charset="0"/>
-            </a:endParaRPr>
-          </a:p>
-        </p:txBody>
-      </p:sp>
-      <p:sp>
-        <p:nvSpPr>
-          <p:cNvPr id="10" name="TextBox 9"/>
-          <p:cNvSpPr txBox="1"/>
-          <p:nvPr/>
-        </p:nvSpPr>
-        <p:spPr>
-          <a:xfrm>
-            <a:off x="854185" y="3510300"/>
-            <a:ext cx="1402948" cy="369332"/>
-          </a:xfrm>
-          <a:prstGeom prst="rect">
-            <a:avLst/>
-          </a:prstGeom>
-          <a:noFill/>
-        </p:spPr>
-        <p:txBody>
-          <a:bodyPr wrap="none" rtlCol="0">
-            <a:spAutoFit/>
-          </a:bodyPr>
-          <a:lstStyle/>
-          <a:p>
-            <a:r>
-              <a:rPr lang="ko-KR" altLang="en-US" dirty="0" smtClean="0">
-                <a:gradFill>
-                  <a:gsLst>
-                    <a:gs pos="0">
-                      <a:schemeClr val="tx1">
-                        <a:lumMod val="65000"/>
-                        <a:lumOff val="35000"/>
-                      </a:schemeClr>
-                    </a:gs>
-                    <a:gs pos="100000">
-                      <a:schemeClr val="tx1">
-                        <a:lumMod val="65000"/>
-                        <a:lumOff val="35000"/>
-                      </a:schemeClr>
-                    </a:gs>
-                  </a:gsLst>
-                  <a:lin ang="5400000" scaled="0"/>
-                </a:gradFill>
-                <a:latin typeface="Arial" pitchFamily="34" charset="0"/>
-                <a:cs typeface="Arial" pitchFamily="34" charset="0"/>
-              </a:rPr>
-              <a:t>박진수 교수</a:t>
             </a:r>
             <a:endParaRPr lang="ko-KR" altLang="en-US" dirty="0">
               <a:gradFill>
@@ -7258,25 +7164,7 @@
                 <a:latin typeface="Arial" pitchFamily="34" charset="0"/>
                 <a:cs typeface="Arial" pitchFamily="34" charset="0"/>
               </a:rPr>
-              <a:t>1-1-1</a:t>
-            </a:r>
-            <a:r>
-              <a:rPr lang="en-US" altLang="ko-KR" sz="2400" b="1" dirty="0" smtClean="0">
-                <a:gradFill>
-                  <a:gsLst>
-                    <a:gs pos="0">
-                      <a:srgbClr val="339966"/>
-                    </a:gs>
-                    <a:gs pos="100000">
-                      <a:srgbClr val="339966"/>
-                    </a:gs>
-                  </a:gsLst>
-                  <a:lin ang="5400000" scaled="0"/>
-                </a:gradFill>
-                <a:latin typeface="Arial" pitchFamily="34" charset="0"/>
-                <a:cs typeface="Arial" pitchFamily="34" charset="0"/>
-              </a:rPr>
-              <a:t>. HTML </a:t>
+              <a:t>1-1-1. HTML </a:t>
             </a:r>
             <a:r>
               <a:rPr lang="ko-KR" altLang="en-US" sz="2400" b="1" dirty="0" smtClean="0">
@@ -7879,25 +7767,7 @@
                 <a:latin typeface="Arial" pitchFamily="34" charset="0"/>
                 <a:cs typeface="Arial" pitchFamily="34" charset="0"/>
               </a:rPr>
-              <a:t>1-1-2</a:t>
-            </a:r>
-            <a:r>
-              <a:rPr lang="en-US" altLang="ko-KR" sz="2400" b="1" dirty="0" smtClean="0">
-                <a:gradFill>
-                  <a:gsLst>
-                    <a:gs pos="0">
-                      <a:srgbClr val="339966"/>
-                    </a:gs>
-                    <a:gs pos="100000">
-                      <a:srgbClr val="339966"/>
-                    </a:gs>
-                  </a:gsLst>
-                  <a:lin ang="5400000" scaled="0"/>
-                </a:gradFill>
-                <a:latin typeface="Arial" pitchFamily="34" charset="0"/>
-                <a:cs typeface="Arial" pitchFamily="34" charset="0"/>
-              </a:rPr>
-              <a:t>. HTML </a:t>
+              <a:t>1-1-2. HTML </a:t>
             </a:r>
             <a:r>
               <a:rPr lang="ko-KR" altLang="en-US" sz="2400" b="1" dirty="0" smtClean="0">
@@ -8489,25 +8359,7 @@
                 <a:latin typeface="Arial" pitchFamily="34" charset="0"/>
                 <a:cs typeface="Arial" pitchFamily="34" charset="0"/>
               </a:rPr>
-              <a:t>1-1-3</a:t>
-            </a:r>
-            <a:r>
-              <a:rPr lang="en-US" altLang="ko-KR" sz="2400" b="1" dirty="0" smtClean="0">
-                <a:gradFill>
-                  <a:gsLst>
-                    <a:gs pos="0">
-                      <a:srgbClr val="339966"/>
-                    </a:gs>
-                    <a:gs pos="100000">
-                      <a:srgbClr val="339966"/>
-                    </a:gs>
-                  </a:gsLst>
-                  <a:lin ang="5400000" scaled="0"/>
-                </a:gradFill>
-                <a:latin typeface="Arial" pitchFamily="34" charset="0"/>
-                <a:cs typeface="Arial" pitchFamily="34" charset="0"/>
-              </a:rPr>
-              <a:t>. HTML </a:t>
+              <a:t>1-1-3. HTML </a:t>
             </a:r>
             <a:r>
               <a:rPr lang="ko-KR" altLang="en-US" sz="2400" b="1" dirty="0" smtClean="0">
@@ -9102,25 +8954,7 @@
                 <a:latin typeface="Arial" pitchFamily="34" charset="0"/>
                 <a:cs typeface="Arial" pitchFamily="34" charset="0"/>
               </a:rPr>
-              <a:t>1-1-4</a:t>
-            </a:r>
-            <a:r>
-              <a:rPr lang="en-US" altLang="ko-KR" sz="2400" b="1" dirty="0" smtClean="0">
-                <a:gradFill>
-                  <a:gsLst>
-                    <a:gs pos="0">
-                      <a:srgbClr val="339966"/>
-                    </a:gs>
-                    <a:gs pos="100000">
-                      <a:srgbClr val="339966"/>
-                    </a:gs>
-                  </a:gsLst>
-                  <a:lin ang="5400000" scaled="0"/>
-                </a:gradFill>
-                <a:latin typeface="Arial" pitchFamily="34" charset="0"/>
-                <a:cs typeface="Arial" pitchFamily="34" charset="0"/>
-              </a:rPr>
-              <a:t>. HTML </a:t>
+              <a:t>1-1-4. HTML </a:t>
             </a:r>
             <a:r>
               <a:rPr lang="ko-KR" altLang="en-US" sz="2400" b="1" dirty="0" smtClean="0">
@@ -9815,43 +9649,7 @@
                 <a:latin typeface="Arial" pitchFamily="34" charset="0"/>
                 <a:cs typeface="Arial" pitchFamily="34" charset="0"/>
               </a:rPr>
-              <a:t> </a:t>
-            </a:r>
-            <a:r>
-              <a:rPr lang="en-US" altLang="ko-KR" sz="2800" b="1" dirty="0" smtClean="0">
-                <a:gradFill>
-                  <a:gsLst>
-                    <a:gs pos="0">
-                      <a:srgbClr val="339966"/>
-                    </a:gs>
-                    <a:gs pos="100000">
-                      <a:srgbClr val="339966"/>
-                    </a:gs>
-                  </a:gsLst>
-                  <a:lin ang="5400000" scaled="0"/>
-                </a:gradFill>
-                <a:latin typeface="Arial" pitchFamily="34" charset="0"/>
-                <a:cs typeface="Arial" pitchFamily="34" charset="0"/>
-              </a:rPr>
-              <a:t>2 </a:t>
-            </a:r>
-            <a:r>
-              <a:rPr lang="en-US" altLang="ko-KR" sz="2800" b="1" dirty="0" smtClean="0">
-                <a:gradFill>
-                  <a:gsLst>
-                    <a:gs pos="0">
-                      <a:srgbClr val="339966"/>
-                    </a:gs>
-                    <a:gs pos="100000">
-                      <a:srgbClr val="339966"/>
-                    </a:gs>
-                  </a:gsLst>
-                  <a:lin ang="5400000" scaled="0"/>
-                </a:gradFill>
-                <a:latin typeface="Arial" pitchFamily="34" charset="0"/>
-                <a:cs typeface="Arial" pitchFamily="34" charset="0"/>
-              </a:rPr>
-              <a:t>– </a:t>
+              <a:t> 2 – </a:t>
             </a:r>
             <a:r>
               <a:rPr lang="ko-KR" altLang="en-US" sz="2800" b="1" dirty="0" smtClean="0">
@@ -10120,61 +9918,7 @@
                 <a:latin typeface="Arial" pitchFamily="34" charset="0"/>
                 <a:cs typeface="Arial" pitchFamily="34" charset="0"/>
               </a:rPr>
-              <a:t>1-</a:t>
-            </a:r>
-            <a:r>
-              <a:rPr lang="en-US" altLang="ko-KR" sz="2400" b="1" dirty="0" smtClean="0">
-                <a:gradFill>
-                  <a:gsLst>
-                    <a:gs pos="0">
-                      <a:srgbClr val="339966"/>
-                    </a:gs>
-                    <a:gs pos="100000">
-                      <a:srgbClr val="339966"/>
-                    </a:gs>
-                  </a:gsLst>
-                  <a:lin ang="5400000" scaled="0"/>
-                </a:gradFill>
-                <a:latin typeface="Arial" pitchFamily="34" charset="0"/>
-                <a:cs typeface="Arial" pitchFamily="34" charset="0"/>
-              </a:rPr>
-              <a:t>2</a:t>
-            </a:r>
-            <a:r>
-              <a:rPr lang="en-US" altLang="ko-KR" sz="2400" b="1" dirty="0" smtClean="0">
-                <a:gradFill>
-                  <a:gsLst>
-                    <a:gs pos="0">
-                      <a:srgbClr val="339966"/>
-                    </a:gs>
-                    <a:gs pos="100000">
-                      <a:srgbClr val="339966"/>
-                    </a:gs>
-                  </a:gsLst>
-                  <a:lin ang="5400000" scaled="0"/>
-                </a:gradFill>
-                <a:latin typeface="Arial" pitchFamily="34" charset="0"/>
-                <a:cs typeface="Arial" pitchFamily="34" charset="0"/>
-              </a:rPr>
-              <a:t>-1</a:t>
-            </a:r>
-            <a:r>
-              <a:rPr lang="en-US" altLang="ko-KR" sz="2400" b="1" dirty="0" smtClean="0">
-                <a:gradFill>
-                  <a:gsLst>
-                    <a:gs pos="0">
-                      <a:srgbClr val="339966"/>
-                    </a:gs>
-                    <a:gs pos="100000">
-                      <a:srgbClr val="339966"/>
-                    </a:gs>
-                  </a:gsLst>
-                  <a:lin ang="5400000" scaled="0"/>
-                </a:gradFill>
-                <a:latin typeface="Arial" pitchFamily="34" charset="0"/>
-                <a:cs typeface="Arial" pitchFamily="34" charset="0"/>
-              </a:rPr>
-              <a:t>. </a:t>
+              <a:t>1-2-1. </a:t>
             </a:r>
             <a:r>
               <a:rPr lang="ko-KR" altLang="en-US" sz="2400" b="1" dirty="0" smtClean="0">
@@ -33453,21 +33197,21 @@
                 <a:gridCol w="1656184">
                   <a:extLst>
                     <a:ext uri="{9D8B030D-6E8A-4147-A177-3AD203B41FA5}">
-                      <a16:colId xmlns:a16="http://schemas.microsoft.com/office/drawing/2014/main" xmlns="" val="3641227315"/>
+                      <a16:colId xmlns:a16="http://schemas.microsoft.com/office/drawing/2014/main" val="3641227315"/>
                     </a:ext>
                   </a:extLst>
                 </a:gridCol>
                 <a:gridCol w="2808312">
                   <a:extLst>
                     <a:ext uri="{9D8B030D-6E8A-4147-A177-3AD203B41FA5}">
-                      <a16:colId xmlns:a16="http://schemas.microsoft.com/office/drawing/2014/main" xmlns="" val="1957806717"/>
+                      <a16:colId xmlns:a16="http://schemas.microsoft.com/office/drawing/2014/main" val="1957806717"/>
                     </a:ext>
                   </a:extLst>
                 </a:gridCol>
                 <a:gridCol w="3168353">
                   <a:extLst>
                     <a:ext uri="{9D8B030D-6E8A-4147-A177-3AD203B41FA5}">
-                      <a16:colId xmlns:a16="http://schemas.microsoft.com/office/drawing/2014/main" xmlns="" val="2169886698"/>
+                      <a16:colId xmlns:a16="http://schemas.microsoft.com/office/drawing/2014/main" val="2169886698"/>
                     </a:ext>
                   </a:extLst>
                 </a:gridCol>
@@ -33671,7 +33415,7 @@
                 </a:tc>
                 <a:extLst>
                   <a:ext uri="{0D108BD9-81ED-4DB2-BD59-A6C34878D82A}">
-                    <a16:rowId xmlns:a16="http://schemas.microsoft.com/office/drawing/2014/main" xmlns="" val="2020434017"/>
+                    <a16:rowId xmlns:a16="http://schemas.microsoft.com/office/drawing/2014/main" val="2020434017"/>
                   </a:ext>
                 </a:extLst>
               </a:tr>
@@ -33974,7 +33718,7 @@
                 </a:tc>
                 <a:extLst>
                   <a:ext uri="{0D108BD9-81ED-4DB2-BD59-A6C34878D82A}">
-                    <a16:rowId xmlns:a16="http://schemas.microsoft.com/office/drawing/2014/main" xmlns="" val="168138018"/>
+                    <a16:rowId xmlns:a16="http://schemas.microsoft.com/office/drawing/2014/main" val="168138018"/>
                   </a:ext>
                 </a:extLst>
               </a:tr>
@@ -34127,7 +33871,7 @@
                 </a:tc>
                 <a:extLst>
                   <a:ext uri="{0D108BD9-81ED-4DB2-BD59-A6C34878D82A}">
-                    <a16:rowId xmlns:a16="http://schemas.microsoft.com/office/drawing/2014/main" xmlns="" val="833547296"/>
+                    <a16:rowId xmlns:a16="http://schemas.microsoft.com/office/drawing/2014/main" val="833547296"/>
                   </a:ext>
                 </a:extLst>
               </a:tr>
@@ -34355,7 +34099,7 @@
                 </a:tc>
                 <a:extLst>
                   <a:ext uri="{0D108BD9-81ED-4DB2-BD59-A6C34878D82A}">
-                    <a16:rowId xmlns:a16="http://schemas.microsoft.com/office/drawing/2014/main" xmlns="" val="2036411878"/>
+                    <a16:rowId xmlns:a16="http://schemas.microsoft.com/office/drawing/2014/main" val="2036411878"/>
                   </a:ext>
                 </a:extLst>
               </a:tr>
@@ -34508,7 +34252,7 @@
                 </a:tc>
                 <a:extLst>
                   <a:ext uri="{0D108BD9-81ED-4DB2-BD59-A6C34878D82A}">
-                    <a16:rowId xmlns:a16="http://schemas.microsoft.com/office/drawing/2014/main" xmlns="" val="2258643099"/>
+                    <a16:rowId xmlns:a16="http://schemas.microsoft.com/office/drawing/2014/main" val="2258643099"/>
                   </a:ext>
                 </a:extLst>
               </a:tr>
@@ -34661,7 +34405,7 @@
                 </a:tc>
                 <a:extLst>
                   <a:ext uri="{0D108BD9-81ED-4DB2-BD59-A6C34878D82A}">
-                    <a16:rowId xmlns:a16="http://schemas.microsoft.com/office/drawing/2014/main" xmlns="" val="899720707"/>
+                    <a16:rowId xmlns:a16="http://schemas.microsoft.com/office/drawing/2014/main" val="899720707"/>
                   </a:ext>
                 </a:extLst>
               </a:tr>
@@ -35014,7 +34758,7 @@
                 </a:tc>
                 <a:extLst>
                   <a:ext uri="{0D108BD9-81ED-4DB2-BD59-A6C34878D82A}">
-                    <a16:rowId xmlns:a16="http://schemas.microsoft.com/office/drawing/2014/main" xmlns="" val="1382301908"/>
+                    <a16:rowId xmlns:a16="http://schemas.microsoft.com/office/drawing/2014/main" val="1382301908"/>
                   </a:ext>
                 </a:extLst>
               </a:tr>
@@ -35367,7 +35111,7 @@
                 </a:tc>
                 <a:extLst>
                   <a:ext uri="{0D108BD9-81ED-4DB2-BD59-A6C34878D82A}">
-                    <a16:rowId xmlns:a16="http://schemas.microsoft.com/office/drawing/2014/main" xmlns="" val="3295543894"/>
+                    <a16:rowId xmlns:a16="http://schemas.microsoft.com/office/drawing/2014/main" val="3295543894"/>
                   </a:ext>
                 </a:extLst>
               </a:tr>
@@ -35520,7 +35264,7 @@
                 </a:tc>
                 <a:extLst>
                   <a:ext uri="{0D108BD9-81ED-4DB2-BD59-A6C34878D82A}">
-                    <a16:rowId xmlns:a16="http://schemas.microsoft.com/office/drawing/2014/main" xmlns="" val="2219635568"/>
+                    <a16:rowId xmlns:a16="http://schemas.microsoft.com/office/drawing/2014/main" val="2219635568"/>
                   </a:ext>
                 </a:extLst>
               </a:tr>
@@ -35823,7 +35567,7 @@
                 </a:tc>
                 <a:extLst>
                   <a:ext uri="{0D108BD9-81ED-4DB2-BD59-A6C34878D82A}">
-                    <a16:rowId xmlns:a16="http://schemas.microsoft.com/office/drawing/2014/main" xmlns="" val="1965188219"/>
+                    <a16:rowId xmlns:a16="http://schemas.microsoft.com/office/drawing/2014/main" val="1965188219"/>
                   </a:ext>
                 </a:extLst>
               </a:tr>
@@ -36126,7 +35870,7 @@
                 </a:tc>
                 <a:extLst>
                   <a:ext uri="{0D108BD9-81ED-4DB2-BD59-A6C34878D82A}">
-                    <a16:rowId xmlns:a16="http://schemas.microsoft.com/office/drawing/2014/main" xmlns="" val="1211881302"/>
+                    <a16:rowId xmlns:a16="http://schemas.microsoft.com/office/drawing/2014/main" val="1211881302"/>
                   </a:ext>
                 </a:extLst>
               </a:tr>
